--- a/Présentation1.pptx
+++ b/Présentation1.pptx
@@ -122,12 +122,12 @@
   <pc:docChgLst>
     <pc:chgData name="thomas bercier" userId="013a37a1915914c3" providerId="LiveId" clId="{D7BAAED7-4E70-4C1A-B41C-A5A2B449CA54}"/>
     <pc:docChg chg="undo custSel addSld delSld modSld">
-      <pc:chgData name="thomas bercier" userId="013a37a1915914c3" providerId="LiveId" clId="{D7BAAED7-4E70-4C1A-B41C-A5A2B449CA54}" dt="2024-04-02T08:05:43.261" v="1134" actId="1076"/>
+      <pc:chgData name="thomas bercier" userId="013a37a1915914c3" providerId="LiveId" clId="{D7BAAED7-4E70-4C1A-B41C-A5A2B449CA54}" dt="2024-04-02T08:13:03.995" v="1152"/>
       <pc:docMkLst>
         <pc:docMk/>
       </pc:docMkLst>
-      <pc:sldChg chg="addSp modSp mod">
-        <pc:chgData name="thomas bercier" userId="013a37a1915914c3" providerId="LiveId" clId="{D7BAAED7-4E70-4C1A-B41C-A5A2B449CA54}" dt="2024-04-02T08:05:03.610" v="1126" actId="1076"/>
+      <pc:sldChg chg="addSp modSp mod modTransition">
+        <pc:chgData name="thomas bercier" userId="013a37a1915914c3" providerId="LiveId" clId="{D7BAAED7-4E70-4C1A-B41C-A5A2B449CA54}" dt="2024-04-02T08:07:48.641" v="1135"/>
         <pc:sldMkLst>
           <pc:docMk/>
           <pc:sldMk cId="2971401923" sldId="257"/>
@@ -165,8 +165,8 @@
           </ac:picMkLst>
         </pc:picChg>
       </pc:sldChg>
-      <pc:sldChg chg="addSp delSp modSp mod">
-        <pc:chgData name="thomas bercier" userId="013a37a1915914c3" providerId="LiveId" clId="{D7BAAED7-4E70-4C1A-B41C-A5A2B449CA54}" dt="2024-04-02T08:04:54.534" v="1123"/>
+      <pc:sldChg chg="addSp delSp modSp mod modTransition modAnim">
+        <pc:chgData name="thomas bercier" userId="013a37a1915914c3" providerId="LiveId" clId="{D7BAAED7-4E70-4C1A-B41C-A5A2B449CA54}" dt="2024-04-02T08:12:02.401" v="1142"/>
         <pc:sldMkLst>
           <pc:docMk/>
           <pc:sldMk cId="3627754054" sldId="258"/>
@@ -211,8 +211,8 @@
           <pc:sldMk cId="4254251907" sldId="259"/>
         </pc:sldMkLst>
       </pc:sldChg>
-      <pc:sldChg chg="addSp delSp modSp add mod">
-        <pc:chgData name="thomas bercier" userId="013a37a1915914c3" providerId="LiveId" clId="{D7BAAED7-4E70-4C1A-B41C-A5A2B449CA54}" dt="2024-04-02T08:05:31.701" v="1132" actId="1076"/>
+      <pc:sldChg chg="addSp delSp modSp add mod modTransition modAnim">
+        <pc:chgData name="thomas bercier" userId="013a37a1915914c3" providerId="LiveId" clId="{D7BAAED7-4E70-4C1A-B41C-A5A2B449CA54}" dt="2024-04-02T08:12:18.338" v="1144"/>
         <pc:sldMkLst>
           <pc:docMk/>
           <pc:sldMk cId="3866755551" sldId="260"/>
@@ -266,8 +266,8 @@
           </ac:picMkLst>
         </pc:picChg>
       </pc:sldChg>
-      <pc:sldChg chg="addSp delSp modSp add mod">
-        <pc:chgData name="thomas bercier" userId="013a37a1915914c3" providerId="LiveId" clId="{D7BAAED7-4E70-4C1A-B41C-A5A2B449CA54}" dt="2024-04-02T08:04:42.758" v="1122"/>
+      <pc:sldChg chg="addSp delSp modSp add mod modTransition modAnim">
+        <pc:chgData name="thomas bercier" userId="013a37a1915914c3" providerId="LiveId" clId="{D7BAAED7-4E70-4C1A-B41C-A5A2B449CA54}" dt="2024-04-02T08:12:48.363" v="1148"/>
         <pc:sldMkLst>
           <pc:docMk/>
           <pc:sldMk cId="2103222422" sldId="261"/>
@@ -329,8 +329,8 @@
           </ac:picMkLst>
         </pc:picChg>
       </pc:sldChg>
-      <pc:sldChg chg="addSp delSp modSp add mod">
-        <pc:chgData name="thomas bercier" userId="013a37a1915914c3" providerId="LiveId" clId="{D7BAAED7-4E70-4C1A-B41C-A5A2B449CA54}" dt="2024-04-02T08:05:43.261" v="1134" actId="1076"/>
+      <pc:sldChg chg="addSp delSp modSp add mod modTransition modAnim">
+        <pc:chgData name="thomas bercier" userId="013a37a1915914c3" providerId="LiveId" clId="{D7BAAED7-4E70-4C1A-B41C-A5A2B449CA54}" dt="2024-04-02T08:12:54.926" v="1150"/>
         <pc:sldMkLst>
           <pc:docMk/>
           <pc:sldMk cId="2329836779" sldId="262"/>
@@ -392,8 +392,8 @@
           </ac:picMkLst>
         </pc:picChg>
       </pc:sldChg>
-      <pc:sldChg chg="addSp delSp modSp add mod">
-        <pc:chgData name="thomas bercier" userId="013a37a1915914c3" providerId="LiveId" clId="{D7BAAED7-4E70-4C1A-B41C-A5A2B449CA54}" dt="2024-04-02T08:05:40.328" v="1133" actId="1076"/>
+      <pc:sldChg chg="addSp delSp modSp add mod modTransition modAnim">
+        <pc:chgData name="thomas bercier" userId="013a37a1915914c3" providerId="LiveId" clId="{D7BAAED7-4E70-4C1A-B41C-A5A2B449CA54}" dt="2024-04-02T08:13:03.995" v="1152"/>
         <pc:sldMkLst>
           <pc:docMk/>
           <pc:sldMk cId="2162196572" sldId="263"/>
@@ -470,6 +470,13 @@
             <ac:picMk id="1026" creationId="{692D85C6-76BE-BBC2-BB24-F8021F8D6438}"/>
           </ac:picMkLst>
         </pc:picChg>
+      </pc:sldChg>
+      <pc:sldChg chg="new del">
+        <pc:chgData name="thomas bercier" userId="013a37a1915914c3" providerId="LiveId" clId="{D7BAAED7-4E70-4C1A-B41C-A5A2B449CA54}" dt="2024-04-02T08:12:25.463" v="1146" actId="680"/>
+        <pc:sldMkLst>
+          <pc:docMk/>
+          <pc:sldMk cId="2826955470" sldId="264"/>
+        </pc:sldMkLst>
       </pc:sldChg>
     </pc:docChg>
   </pc:docChgLst>
@@ -8201,6 +8208,18 @@
   <p:clrMapOvr>
     <a:masterClrMapping/>
   </p:clrMapOvr>
+  <mc:AlternateContent xmlns:mc="http://schemas.openxmlformats.org/markup-compatibility/2006">
+    <mc:Choice xmlns:p159="http://schemas.microsoft.com/office/powerpoint/2015/09/main" Requires="p159">
+      <p:transition xmlns:p14="http://schemas.microsoft.com/office/powerpoint/2010/main" spd="slow" p14:dur="2000">
+        <p159:morph option="byObject"/>
+      </p:transition>
+    </mc:Choice>
+    <mc:Fallback>
+      <p:transition spd="slow">
+        <p:fade/>
+      </p:transition>
+    </mc:Fallback>
+  </mc:AlternateContent>
 </p:sld>
 </file>
 
@@ -8412,6 +8431,198 @@
   <p:clrMapOvr>
     <a:masterClrMapping/>
   </p:clrMapOvr>
+  <mc:AlternateContent xmlns:mc="http://schemas.openxmlformats.org/markup-compatibility/2006">
+    <mc:Choice xmlns:p159="http://schemas.microsoft.com/office/powerpoint/2015/09/main" Requires="p159">
+      <p:transition xmlns:p14="http://schemas.microsoft.com/office/powerpoint/2010/main" spd="slow" p14:dur="2000">
+        <p159:morph option="byObject"/>
+      </p:transition>
+    </mc:Choice>
+    <mc:Fallback>
+      <p:transition spd="slow">
+        <p:fade/>
+      </p:transition>
+    </mc:Fallback>
+  </mc:AlternateContent>
+  <p:timing>
+    <p:tnLst>
+      <p:par>
+        <p:cTn id="1" dur="indefinite" restart="never" nodeType="tmRoot">
+          <p:childTnLst>
+            <p:seq concurrent="1" nextAc="seek">
+              <p:cTn id="2" dur="indefinite" nodeType="mainSeq">
+                <p:childTnLst>
+                  <p:par>
+                    <p:cTn id="3" fill="hold">
+                      <p:stCondLst>
+                        <p:cond delay="indefinite"/>
+                      </p:stCondLst>
+                      <p:childTnLst>
+                        <p:par>
+                          <p:cTn id="4" fill="hold">
+                            <p:stCondLst>
+                              <p:cond delay="0"/>
+                            </p:stCondLst>
+                            <p:childTnLst>
+                              <p:par>
+                                <p:cTn id="5" presetID="1" presetClass="entr" presetSubtype="0" fill="hold" grpId="0" nodeType="clickEffect">
+                                  <p:stCondLst>
+                                    <p:cond delay="0"/>
+                                  </p:stCondLst>
+                                  <p:childTnLst>
+                                    <p:set>
+                                      <p:cBhvr>
+                                        <p:cTn id="6" dur="1" fill="hold">
+                                          <p:stCondLst>
+                                            <p:cond delay="0"/>
+                                          </p:stCondLst>
+                                        </p:cTn>
+                                        <p:tgtEl>
+                                          <p:spTgt spid="4">
+                                            <p:txEl>
+                                              <p:pRg st="0" end="0"/>
+                                            </p:txEl>
+                                          </p:spTgt>
+                                        </p:tgtEl>
+                                        <p:attrNameLst>
+                                          <p:attrName>style.visibility</p:attrName>
+                                        </p:attrNameLst>
+                                      </p:cBhvr>
+                                      <p:to>
+                                        <p:strVal val="visible"/>
+                                      </p:to>
+                                    </p:set>
+                                  </p:childTnLst>
+                                </p:cTn>
+                              </p:par>
+                            </p:childTnLst>
+                          </p:cTn>
+                        </p:par>
+                      </p:childTnLst>
+                    </p:cTn>
+                  </p:par>
+                  <p:par>
+                    <p:cTn id="7" fill="hold">
+                      <p:stCondLst>
+                        <p:cond delay="indefinite"/>
+                      </p:stCondLst>
+                      <p:childTnLst>
+                        <p:par>
+                          <p:cTn id="8" fill="hold">
+                            <p:stCondLst>
+                              <p:cond delay="0"/>
+                            </p:stCondLst>
+                            <p:childTnLst>
+                              <p:par>
+                                <p:cTn id="9" presetID="1" presetClass="entr" presetSubtype="0" fill="hold" grpId="0" nodeType="clickEffect">
+                                  <p:stCondLst>
+                                    <p:cond delay="0"/>
+                                  </p:stCondLst>
+                                  <p:childTnLst>
+                                    <p:set>
+                                      <p:cBhvr>
+                                        <p:cTn id="10" dur="1" fill="hold">
+                                          <p:stCondLst>
+                                            <p:cond delay="0"/>
+                                          </p:stCondLst>
+                                        </p:cTn>
+                                        <p:tgtEl>
+                                          <p:spTgt spid="4">
+                                            <p:txEl>
+                                              <p:pRg st="2" end="2"/>
+                                            </p:txEl>
+                                          </p:spTgt>
+                                        </p:tgtEl>
+                                        <p:attrNameLst>
+                                          <p:attrName>style.visibility</p:attrName>
+                                        </p:attrNameLst>
+                                      </p:cBhvr>
+                                      <p:to>
+                                        <p:strVal val="visible"/>
+                                      </p:to>
+                                    </p:set>
+                                  </p:childTnLst>
+                                </p:cTn>
+                              </p:par>
+                            </p:childTnLst>
+                          </p:cTn>
+                        </p:par>
+                      </p:childTnLst>
+                    </p:cTn>
+                  </p:par>
+                  <p:par>
+                    <p:cTn id="11" fill="hold">
+                      <p:stCondLst>
+                        <p:cond delay="indefinite"/>
+                      </p:stCondLst>
+                      <p:childTnLst>
+                        <p:par>
+                          <p:cTn id="12" fill="hold">
+                            <p:stCondLst>
+                              <p:cond delay="0"/>
+                            </p:stCondLst>
+                            <p:childTnLst>
+                              <p:par>
+                                <p:cTn id="13" presetID="1" presetClass="entr" presetSubtype="0" fill="hold" grpId="0" nodeType="clickEffect">
+                                  <p:stCondLst>
+                                    <p:cond delay="0"/>
+                                  </p:stCondLst>
+                                  <p:childTnLst>
+                                    <p:set>
+                                      <p:cBhvr>
+                                        <p:cTn id="14" dur="1" fill="hold">
+                                          <p:stCondLst>
+                                            <p:cond delay="0"/>
+                                          </p:stCondLst>
+                                        </p:cTn>
+                                        <p:tgtEl>
+                                          <p:spTgt spid="4">
+                                            <p:txEl>
+                                              <p:pRg st="4" end="4"/>
+                                            </p:txEl>
+                                          </p:spTgt>
+                                        </p:tgtEl>
+                                        <p:attrNameLst>
+                                          <p:attrName>style.visibility</p:attrName>
+                                        </p:attrNameLst>
+                                      </p:cBhvr>
+                                      <p:to>
+                                        <p:strVal val="visible"/>
+                                      </p:to>
+                                    </p:set>
+                                  </p:childTnLst>
+                                </p:cTn>
+                              </p:par>
+                            </p:childTnLst>
+                          </p:cTn>
+                        </p:par>
+                      </p:childTnLst>
+                    </p:cTn>
+                  </p:par>
+                </p:childTnLst>
+              </p:cTn>
+              <p:prevCondLst>
+                <p:cond evt="onPrev" delay="0">
+                  <p:tgtEl>
+                    <p:sldTgt/>
+                  </p:tgtEl>
+                </p:cond>
+              </p:prevCondLst>
+              <p:nextCondLst>
+                <p:cond evt="onNext" delay="0">
+                  <p:tgtEl>
+                    <p:sldTgt/>
+                  </p:tgtEl>
+                </p:cond>
+              </p:nextCondLst>
+            </p:seq>
+          </p:childTnLst>
+        </p:cTn>
+      </p:par>
+    </p:tnLst>
+    <p:bldLst>
+      <p:bldP spid="4" grpId="0" build="p"/>
+    </p:bldLst>
+  </p:timing>
 </p:sld>
 </file>
 
@@ -8683,6 +8894,296 @@
   <p:clrMapOvr>
     <a:masterClrMapping/>
   </p:clrMapOvr>
+  <mc:AlternateContent xmlns:mc="http://schemas.openxmlformats.org/markup-compatibility/2006">
+    <mc:Choice xmlns:p159="http://schemas.microsoft.com/office/powerpoint/2015/09/main" Requires="p159">
+      <p:transition xmlns:p14="http://schemas.microsoft.com/office/powerpoint/2010/main" spd="slow" p14:dur="2000">
+        <p159:morph option="byObject"/>
+      </p:transition>
+    </mc:Choice>
+    <mc:Fallback>
+      <p:transition spd="slow">
+        <p:fade/>
+      </p:transition>
+    </mc:Fallback>
+  </mc:AlternateContent>
+  <p:timing>
+    <p:tnLst>
+      <p:par>
+        <p:cTn id="1" dur="indefinite" restart="never" nodeType="tmRoot">
+          <p:childTnLst>
+            <p:seq concurrent="1" nextAc="seek">
+              <p:cTn id="2" dur="indefinite" nodeType="mainSeq">
+                <p:childTnLst>
+                  <p:par>
+                    <p:cTn id="3" fill="hold">
+                      <p:stCondLst>
+                        <p:cond delay="indefinite"/>
+                      </p:stCondLst>
+                      <p:childTnLst>
+                        <p:par>
+                          <p:cTn id="4" fill="hold">
+                            <p:stCondLst>
+                              <p:cond delay="0"/>
+                            </p:stCondLst>
+                            <p:childTnLst>
+                              <p:par>
+                                <p:cTn id="5" presetID="1" presetClass="entr" presetSubtype="0" fill="hold" grpId="0" nodeType="clickEffect">
+                                  <p:stCondLst>
+                                    <p:cond delay="0"/>
+                                  </p:stCondLst>
+                                  <p:childTnLst>
+                                    <p:set>
+                                      <p:cBhvr>
+                                        <p:cTn id="6" dur="1" fill="hold">
+                                          <p:stCondLst>
+                                            <p:cond delay="0"/>
+                                          </p:stCondLst>
+                                        </p:cTn>
+                                        <p:tgtEl>
+                                          <p:spTgt spid="4">
+                                            <p:txEl>
+                                              <p:pRg st="0" end="0"/>
+                                            </p:txEl>
+                                          </p:spTgt>
+                                        </p:tgtEl>
+                                        <p:attrNameLst>
+                                          <p:attrName>style.visibility</p:attrName>
+                                        </p:attrNameLst>
+                                      </p:cBhvr>
+                                      <p:to>
+                                        <p:strVal val="visible"/>
+                                      </p:to>
+                                    </p:set>
+                                  </p:childTnLst>
+                                </p:cTn>
+                              </p:par>
+                            </p:childTnLst>
+                          </p:cTn>
+                        </p:par>
+                      </p:childTnLst>
+                    </p:cTn>
+                  </p:par>
+                  <p:par>
+                    <p:cTn id="7" fill="hold">
+                      <p:stCondLst>
+                        <p:cond delay="indefinite"/>
+                      </p:stCondLst>
+                      <p:childTnLst>
+                        <p:par>
+                          <p:cTn id="8" fill="hold">
+                            <p:stCondLst>
+                              <p:cond delay="0"/>
+                            </p:stCondLst>
+                            <p:childTnLst>
+                              <p:par>
+                                <p:cTn id="9" presetID="1" presetClass="entr" presetSubtype="0" fill="hold" grpId="0" nodeType="clickEffect">
+                                  <p:stCondLst>
+                                    <p:cond delay="0"/>
+                                  </p:stCondLst>
+                                  <p:childTnLst>
+                                    <p:set>
+                                      <p:cBhvr>
+                                        <p:cTn id="10" dur="1" fill="hold">
+                                          <p:stCondLst>
+                                            <p:cond delay="0"/>
+                                          </p:stCondLst>
+                                        </p:cTn>
+                                        <p:tgtEl>
+                                          <p:spTgt spid="4">
+                                            <p:txEl>
+                                              <p:pRg st="2" end="2"/>
+                                            </p:txEl>
+                                          </p:spTgt>
+                                        </p:tgtEl>
+                                        <p:attrNameLst>
+                                          <p:attrName>style.visibility</p:attrName>
+                                        </p:attrNameLst>
+                                      </p:cBhvr>
+                                      <p:to>
+                                        <p:strVal val="visible"/>
+                                      </p:to>
+                                    </p:set>
+                                  </p:childTnLst>
+                                </p:cTn>
+                              </p:par>
+                            </p:childTnLst>
+                          </p:cTn>
+                        </p:par>
+                      </p:childTnLst>
+                    </p:cTn>
+                  </p:par>
+                  <p:par>
+                    <p:cTn id="11" fill="hold">
+                      <p:stCondLst>
+                        <p:cond delay="indefinite"/>
+                      </p:stCondLst>
+                      <p:childTnLst>
+                        <p:par>
+                          <p:cTn id="12" fill="hold">
+                            <p:stCondLst>
+                              <p:cond delay="0"/>
+                            </p:stCondLst>
+                            <p:childTnLst>
+                              <p:par>
+                                <p:cTn id="13" presetID="1" presetClass="entr" presetSubtype="0" fill="hold" grpId="0" nodeType="clickEffect">
+                                  <p:stCondLst>
+                                    <p:cond delay="0"/>
+                                  </p:stCondLst>
+                                  <p:childTnLst>
+                                    <p:set>
+                                      <p:cBhvr>
+                                        <p:cTn id="14" dur="1" fill="hold">
+                                          <p:stCondLst>
+                                            <p:cond delay="0"/>
+                                          </p:stCondLst>
+                                        </p:cTn>
+                                        <p:tgtEl>
+                                          <p:spTgt spid="4">
+                                            <p:txEl>
+                                              <p:pRg st="4" end="4"/>
+                                            </p:txEl>
+                                          </p:spTgt>
+                                        </p:tgtEl>
+                                        <p:attrNameLst>
+                                          <p:attrName>style.visibility</p:attrName>
+                                        </p:attrNameLst>
+                                      </p:cBhvr>
+                                      <p:to>
+                                        <p:strVal val="visible"/>
+                                      </p:to>
+                                    </p:set>
+                                  </p:childTnLst>
+                                </p:cTn>
+                              </p:par>
+                            </p:childTnLst>
+                          </p:cTn>
+                        </p:par>
+                      </p:childTnLst>
+                    </p:cTn>
+                  </p:par>
+                  <p:par>
+                    <p:cTn id="15" fill="hold">
+                      <p:stCondLst>
+                        <p:cond delay="indefinite"/>
+                      </p:stCondLst>
+                      <p:childTnLst>
+                        <p:par>
+                          <p:cTn id="16" fill="hold">
+                            <p:stCondLst>
+                              <p:cond delay="0"/>
+                            </p:stCondLst>
+                            <p:childTnLst>
+                              <p:par>
+                                <p:cTn id="17" presetID="1" presetClass="entr" presetSubtype="0" fill="hold" grpId="0" nodeType="clickEffect">
+                                  <p:stCondLst>
+                                    <p:cond delay="0"/>
+                                  </p:stCondLst>
+                                  <p:childTnLst>
+                                    <p:set>
+                                      <p:cBhvr>
+                                        <p:cTn id="18" dur="1" fill="hold">
+                                          <p:stCondLst>
+                                            <p:cond delay="0"/>
+                                          </p:stCondLst>
+                                        </p:cTn>
+                                        <p:tgtEl>
+                                          <p:spTgt spid="4">
+                                            <p:txEl>
+                                              <p:pRg st="6" end="6"/>
+                                            </p:txEl>
+                                          </p:spTgt>
+                                        </p:tgtEl>
+                                        <p:attrNameLst>
+                                          <p:attrName>style.visibility</p:attrName>
+                                        </p:attrNameLst>
+                                      </p:cBhvr>
+                                      <p:to>
+                                        <p:strVal val="visible"/>
+                                      </p:to>
+                                    </p:set>
+                                  </p:childTnLst>
+                                </p:cTn>
+                              </p:par>
+                            </p:childTnLst>
+                          </p:cTn>
+                        </p:par>
+                      </p:childTnLst>
+                    </p:cTn>
+                  </p:par>
+                  <p:par>
+                    <p:cTn id="19" fill="hold">
+                      <p:stCondLst>
+                        <p:cond delay="indefinite"/>
+                      </p:stCondLst>
+                      <p:childTnLst>
+                        <p:par>
+                          <p:cTn id="20" fill="hold">
+                            <p:stCondLst>
+                              <p:cond delay="0"/>
+                            </p:stCondLst>
+                            <p:childTnLst>
+                              <p:par>
+                                <p:cTn id="21" presetID="1" presetClass="entr" presetSubtype="0" fill="hold" grpId="0" nodeType="clickEffect">
+                                  <p:stCondLst>
+                                    <p:cond delay="0"/>
+                                  </p:stCondLst>
+                                  <p:childTnLst>
+                                    <p:set>
+                                      <p:cBhvr>
+                                        <p:cTn id="22" dur="1" fill="hold">
+                                          <p:stCondLst>
+                                            <p:cond delay="0"/>
+                                          </p:stCondLst>
+                                        </p:cTn>
+                                        <p:tgtEl>
+                                          <p:spTgt spid="4">
+                                            <p:txEl>
+                                              <p:pRg st="8" end="8"/>
+                                            </p:txEl>
+                                          </p:spTgt>
+                                        </p:tgtEl>
+                                        <p:attrNameLst>
+                                          <p:attrName>style.visibility</p:attrName>
+                                        </p:attrNameLst>
+                                      </p:cBhvr>
+                                      <p:to>
+                                        <p:strVal val="visible"/>
+                                      </p:to>
+                                    </p:set>
+                                  </p:childTnLst>
+                                </p:cTn>
+                              </p:par>
+                            </p:childTnLst>
+                          </p:cTn>
+                        </p:par>
+                      </p:childTnLst>
+                    </p:cTn>
+                  </p:par>
+                </p:childTnLst>
+              </p:cTn>
+              <p:prevCondLst>
+                <p:cond evt="onPrev" delay="0">
+                  <p:tgtEl>
+                    <p:sldTgt/>
+                  </p:tgtEl>
+                </p:cond>
+              </p:prevCondLst>
+              <p:nextCondLst>
+                <p:cond evt="onNext" delay="0">
+                  <p:tgtEl>
+                    <p:sldTgt/>
+                  </p:tgtEl>
+                </p:cond>
+              </p:nextCondLst>
+            </p:seq>
+          </p:childTnLst>
+        </p:cTn>
+      </p:par>
+    </p:tnLst>
+    <p:bldLst>
+      <p:bldP spid="4" grpId="0" build="p"/>
+    </p:bldLst>
+  </p:timing>
 </p:sld>
 </file>
 
@@ -8944,6 +9445,198 @@
   <p:clrMapOvr>
     <a:masterClrMapping/>
   </p:clrMapOvr>
+  <mc:AlternateContent xmlns:mc="http://schemas.openxmlformats.org/markup-compatibility/2006">
+    <mc:Choice xmlns:p159="http://schemas.microsoft.com/office/powerpoint/2015/09/main" Requires="p159">
+      <p:transition xmlns:p14="http://schemas.microsoft.com/office/powerpoint/2010/main" spd="slow" p14:dur="2000">
+        <p159:morph option="byObject"/>
+      </p:transition>
+    </mc:Choice>
+    <mc:Fallback>
+      <p:transition spd="slow">
+        <p:fade/>
+      </p:transition>
+    </mc:Fallback>
+  </mc:AlternateContent>
+  <p:timing>
+    <p:tnLst>
+      <p:par>
+        <p:cTn id="1" dur="indefinite" restart="never" nodeType="tmRoot">
+          <p:childTnLst>
+            <p:seq concurrent="1" nextAc="seek">
+              <p:cTn id="2" dur="indefinite" nodeType="mainSeq">
+                <p:childTnLst>
+                  <p:par>
+                    <p:cTn id="3" fill="hold">
+                      <p:stCondLst>
+                        <p:cond delay="indefinite"/>
+                      </p:stCondLst>
+                      <p:childTnLst>
+                        <p:par>
+                          <p:cTn id="4" fill="hold">
+                            <p:stCondLst>
+                              <p:cond delay="0"/>
+                            </p:stCondLst>
+                            <p:childTnLst>
+                              <p:par>
+                                <p:cTn id="5" presetID="1" presetClass="entr" presetSubtype="0" fill="hold" grpId="0" nodeType="clickEffect">
+                                  <p:stCondLst>
+                                    <p:cond delay="0"/>
+                                  </p:stCondLst>
+                                  <p:childTnLst>
+                                    <p:set>
+                                      <p:cBhvr>
+                                        <p:cTn id="6" dur="1" fill="hold">
+                                          <p:stCondLst>
+                                            <p:cond delay="0"/>
+                                          </p:stCondLst>
+                                        </p:cTn>
+                                        <p:tgtEl>
+                                          <p:spTgt spid="4">
+                                            <p:txEl>
+                                              <p:pRg st="0" end="0"/>
+                                            </p:txEl>
+                                          </p:spTgt>
+                                        </p:tgtEl>
+                                        <p:attrNameLst>
+                                          <p:attrName>style.visibility</p:attrName>
+                                        </p:attrNameLst>
+                                      </p:cBhvr>
+                                      <p:to>
+                                        <p:strVal val="visible"/>
+                                      </p:to>
+                                    </p:set>
+                                  </p:childTnLst>
+                                </p:cTn>
+                              </p:par>
+                            </p:childTnLst>
+                          </p:cTn>
+                        </p:par>
+                      </p:childTnLst>
+                    </p:cTn>
+                  </p:par>
+                  <p:par>
+                    <p:cTn id="7" fill="hold">
+                      <p:stCondLst>
+                        <p:cond delay="indefinite"/>
+                      </p:stCondLst>
+                      <p:childTnLst>
+                        <p:par>
+                          <p:cTn id="8" fill="hold">
+                            <p:stCondLst>
+                              <p:cond delay="0"/>
+                            </p:stCondLst>
+                            <p:childTnLst>
+                              <p:par>
+                                <p:cTn id="9" presetID="1" presetClass="entr" presetSubtype="0" fill="hold" grpId="0" nodeType="clickEffect">
+                                  <p:stCondLst>
+                                    <p:cond delay="0"/>
+                                  </p:stCondLst>
+                                  <p:childTnLst>
+                                    <p:set>
+                                      <p:cBhvr>
+                                        <p:cTn id="10" dur="1" fill="hold">
+                                          <p:stCondLst>
+                                            <p:cond delay="0"/>
+                                          </p:stCondLst>
+                                        </p:cTn>
+                                        <p:tgtEl>
+                                          <p:spTgt spid="4">
+                                            <p:txEl>
+                                              <p:pRg st="2" end="2"/>
+                                            </p:txEl>
+                                          </p:spTgt>
+                                        </p:tgtEl>
+                                        <p:attrNameLst>
+                                          <p:attrName>style.visibility</p:attrName>
+                                        </p:attrNameLst>
+                                      </p:cBhvr>
+                                      <p:to>
+                                        <p:strVal val="visible"/>
+                                      </p:to>
+                                    </p:set>
+                                  </p:childTnLst>
+                                </p:cTn>
+                              </p:par>
+                            </p:childTnLst>
+                          </p:cTn>
+                        </p:par>
+                      </p:childTnLst>
+                    </p:cTn>
+                  </p:par>
+                  <p:par>
+                    <p:cTn id="11" fill="hold">
+                      <p:stCondLst>
+                        <p:cond delay="indefinite"/>
+                      </p:stCondLst>
+                      <p:childTnLst>
+                        <p:par>
+                          <p:cTn id="12" fill="hold">
+                            <p:stCondLst>
+                              <p:cond delay="0"/>
+                            </p:stCondLst>
+                            <p:childTnLst>
+                              <p:par>
+                                <p:cTn id="13" presetID="1" presetClass="entr" presetSubtype="0" fill="hold" grpId="0" nodeType="clickEffect">
+                                  <p:stCondLst>
+                                    <p:cond delay="0"/>
+                                  </p:stCondLst>
+                                  <p:childTnLst>
+                                    <p:set>
+                                      <p:cBhvr>
+                                        <p:cTn id="14" dur="1" fill="hold">
+                                          <p:stCondLst>
+                                            <p:cond delay="0"/>
+                                          </p:stCondLst>
+                                        </p:cTn>
+                                        <p:tgtEl>
+                                          <p:spTgt spid="4">
+                                            <p:txEl>
+                                              <p:pRg st="4" end="4"/>
+                                            </p:txEl>
+                                          </p:spTgt>
+                                        </p:tgtEl>
+                                        <p:attrNameLst>
+                                          <p:attrName>style.visibility</p:attrName>
+                                        </p:attrNameLst>
+                                      </p:cBhvr>
+                                      <p:to>
+                                        <p:strVal val="visible"/>
+                                      </p:to>
+                                    </p:set>
+                                  </p:childTnLst>
+                                </p:cTn>
+                              </p:par>
+                            </p:childTnLst>
+                          </p:cTn>
+                        </p:par>
+                      </p:childTnLst>
+                    </p:cTn>
+                  </p:par>
+                </p:childTnLst>
+              </p:cTn>
+              <p:prevCondLst>
+                <p:cond evt="onPrev" delay="0">
+                  <p:tgtEl>
+                    <p:sldTgt/>
+                  </p:tgtEl>
+                </p:cond>
+              </p:prevCondLst>
+              <p:nextCondLst>
+                <p:cond evt="onNext" delay="0">
+                  <p:tgtEl>
+                    <p:sldTgt/>
+                  </p:tgtEl>
+                </p:cond>
+              </p:nextCondLst>
+            </p:seq>
+          </p:childTnLst>
+        </p:cTn>
+      </p:par>
+    </p:tnLst>
+    <p:bldLst>
+      <p:bldP spid="4" grpId="0" build="p"/>
+    </p:bldLst>
+  </p:timing>
 </p:sld>
 </file>
 
@@ -9179,6 +9872,198 @@
   <p:clrMapOvr>
     <a:masterClrMapping/>
   </p:clrMapOvr>
+  <mc:AlternateContent xmlns:mc="http://schemas.openxmlformats.org/markup-compatibility/2006">
+    <mc:Choice xmlns:p159="http://schemas.microsoft.com/office/powerpoint/2015/09/main" Requires="p159">
+      <p:transition xmlns:p14="http://schemas.microsoft.com/office/powerpoint/2010/main" spd="slow" p14:dur="2000">
+        <p159:morph option="byObject"/>
+      </p:transition>
+    </mc:Choice>
+    <mc:Fallback>
+      <p:transition spd="slow">
+        <p:fade/>
+      </p:transition>
+    </mc:Fallback>
+  </mc:AlternateContent>
+  <p:timing>
+    <p:tnLst>
+      <p:par>
+        <p:cTn id="1" dur="indefinite" restart="never" nodeType="tmRoot">
+          <p:childTnLst>
+            <p:seq concurrent="1" nextAc="seek">
+              <p:cTn id="2" dur="indefinite" nodeType="mainSeq">
+                <p:childTnLst>
+                  <p:par>
+                    <p:cTn id="3" fill="hold">
+                      <p:stCondLst>
+                        <p:cond delay="indefinite"/>
+                      </p:stCondLst>
+                      <p:childTnLst>
+                        <p:par>
+                          <p:cTn id="4" fill="hold">
+                            <p:stCondLst>
+                              <p:cond delay="0"/>
+                            </p:stCondLst>
+                            <p:childTnLst>
+                              <p:par>
+                                <p:cTn id="5" presetID="1" presetClass="entr" presetSubtype="0" fill="hold" grpId="0" nodeType="clickEffect">
+                                  <p:stCondLst>
+                                    <p:cond delay="0"/>
+                                  </p:stCondLst>
+                                  <p:childTnLst>
+                                    <p:set>
+                                      <p:cBhvr>
+                                        <p:cTn id="6" dur="1" fill="hold">
+                                          <p:stCondLst>
+                                            <p:cond delay="0"/>
+                                          </p:stCondLst>
+                                        </p:cTn>
+                                        <p:tgtEl>
+                                          <p:spTgt spid="4">
+                                            <p:txEl>
+                                              <p:pRg st="0" end="0"/>
+                                            </p:txEl>
+                                          </p:spTgt>
+                                        </p:tgtEl>
+                                        <p:attrNameLst>
+                                          <p:attrName>style.visibility</p:attrName>
+                                        </p:attrNameLst>
+                                      </p:cBhvr>
+                                      <p:to>
+                                        <p:strVal val="visible"/>
+                                      </p:to>
+                                    </p:set>
+                                  </p:childTnLst>
+                                </p:cTn>
+                              </p:par>
+                            </p:childTnLst>
+                          </p:cTn>
+                        </p:par>
+                      </p:childTnLst>
+                    </p:cTn>
+                  </p:par>
+                  <p:par>
+                    <p:cTn id="7" fill="hold">
+                      <p:stCondLst>
+                        <p:cond delay="indefinite"/>
+                      </p:stCondLst>
+                      <p:childTnLst>
+                        <p:par>
+                          <p:cTn id="8" fill="hold">
+                            <p:stCondLst>
+                              <p:cond delay="0"/>
+                            </p:stCondLst>
+                            <p:childTnLst>
+                              <p:par>
+                                <p:cTn id="9" presetID="1" presetClass="entr" presetSubtype="0" fill="hold" grpId="0" nodeType="clickEffect">
+                                  <p:stCondLst>
+                                    <p:cond delay="0"/>
+                                  </p:stCondLst>
+                                  <p:childTnLst>
+                                    <p:set>
+                                      <p:cBhvr>
+                                        <p:cTn id="10" dur="1" fill="hold">
+                                          <p:stCondLst>
+                                            <p:cond delay="0"/>
+                                          </p:stCondLst>
+                                        </p:cTn>
+                                        <p:tgtEl>
+                                          <p:spTgt spid="4">
+                                            <p:txEl>
+                                              <p:pRg st="2" end="2"/>
+                                            </p:txEl>
+                                          </p:spTgt>
+                                        </p:tgtEl>
+                                        <p:attrNameLst>
+                                          <p:attrName>style.visibility</p:attrName>
+                                        </p:attrNameLst>
+                                      </p:cBhvr>
+                                      <p:to>
+                                        <p:strVal val="visible"/>
+                                      </p:to>
+                                    </p:set>
+                                  </p:childTnLst>
+                                </p:cTn>
+                              </p:par>
+                            </p:childTnLst>
+                          </p:cTn>
+                        </p:par>
+                      </p:childTnLst>
+                    </p:cTn>
+                  </p:par>
+                  <p:par>
+                    <p:cTn id="11" fill="hold">
+                      <p:stCondLst>
+                        <p:cond delay="indefinite"/>
+                      </p:stCondLst>
+                      <p:childTnLst>
+                        <p:par>
+                          <p:cTn id="12" fill="hold">
+                            <p:stCondLst>
+                              <p:cond delay="0"/>
+                            </p:stCondLst>
+                            <p:childTnLst>
+                              <p:par>
+                                <p:cTn id="13" presetID="1" presetClass="entr" presetSubtype="0" fill="hold" grpId="0" nodeType="clickEffect">
+                                  <p:stCondLst>
+                                    <p:cond delay="0"/>
+                                  </p:stCondLst>
+                                  <p:childTnLst>
+                                    <p:set>
+                                      <p:cBhvr>
+                                        <p:cTn id="14" dur="1" fill="hold">
+                                          <p:stCondLst>
+                                            <p:cond delay="0"/>
+                                          </p:stCondLst>
+                                        </p:cTn>
+                                        <p:tgtEl>
+                                          <p:spTgt spid="4">
+                                            <p:txEl>
+                                              <p:pRg st="4" end="4"/>
+                                            </p:txEl>
+                                          </p:spTgt>
+                                        </p:tgtEl>
+                                        <p:attrNameLst>
+                                          <p:attrName>style.visibility</p:attrName>
+                                        </p:attrNameLst>
+                                      </p:cBhvr>
+                                      <p:to>
+                                        <p:strVal val="visible"/>
+                                      </p:to>
+                                    </p:set>
+                                  </p:childTnLst>
+                                </p:cTn>
+                              </p:par>
+                            </p:childTnLst>
+                          </p:cTn>
+                        </p:par>
+                      </p:childTnLst>
+                    </p:cTn>
+                  </p:par>
+                </p:childTnLst>
+              </p:cTn>
+              <p:prevCondLst>
+                <p:cond evt="onPrev" delay="0">
+                  <p:tgtEl>
+                    <p:sldTgt/>
+                  </p:tgtEl>
+                </p:cond>
+              </p:prevCondLst>
+              <p:nextCondLst>
+                <p:cond evt="onNext" delay="0">
+                  <p:tgtEl>
+                    <p:sldTgt/>
+                  </p:tgtEl>
+                </p:cond>
+              </p:nextCondLst>
+            </p:seq>
+          </p:childTnLst>
+        </p:cTn>
+      </p:par>
+    </p:tnLst>
+    <p:bldLst>
+      <p:bldP spid="4" grpId="0" build="p"/>
+    </p:bldLst>
+  </p:timing>
 </p:sld>
 </file>
 
@@ -9414,6 +10299,198 @@
   <p:clrMapOvr>
     <a:masterClrMapping/>
   </p:clrMapOvr>
+  <mc:AlternateContent xmlns:mc="http://schemas.openxmlformats.org/markup-compatibility/2006">
+    <mc:Choice xmlns:p159="http://schemas.microsoft.com/office/powerpoint/2015/09/main" Requires="p159">
+      <p:transition xmlns:p14="http://schemas.microsoft.com/office/powerpoint/2010/main" spd="slow" p14:dur="2000">
+        <p159:morph option="byObject"/>
+      </p:transition>
+    </mc:Choice>
+    <mc:Fallback>
+      <p:transition spd="slow">
+        <p:fade/>
+      </p:transition>
+    </mc:Fallback>
+  </mc:AlternateContent>
+  <p:timing>
+    <p:tnLst>
+      <p:par>
+        <p:cTn id="1" dur="indefinite" restart="never" nodeType="tmRoot">
+          <p:childTnLst>
+            <p:seq concurrent="1" nextAc="seek">
+              <p:cTn id="2" dur="indefinite" nodeType="mainSeq">
+                <p:childTnLst>
+                  <p:par>
+                    <p:cTn id="3" fill="hold">
+                      <p:stCondLst>
+                        <p:cond delay="indefinite"/>
+                      </p:stCondLst>
+                      <p:childTnLst>
+                        <p:par>
+                          <p:cTn id="4" fill="hold">
+                            <p:stCondLst>
+                              <p:cond delay="0"/>
+                            </p:stCondLst>
+                            <p:childTnLst>
+                              <p:par>
+                                <p:cTn id="5" presetID="1" presetClass="entr" presetSubtype="0" fill="hold" grpId="0" nodeType="clickEffect">
+                                  <p:stCondLst>
+                                    <p:cond delay="0"/>
+                                  </p:stCondLst>
+                                  <p:childTnLst>
+                                    <p:set>
+                                      <p:cBhvr>
+                                        <p:cTn id="6" dur="1" fill="hold">
+                                          <p:stCondLst>
+                                            <p:cond delay="0"/>
+                                          </p:stCondLst>
+                                        </p:cTn>
+                                        <p:tgtEl>
+                                          <p:spTgt spid="4">
+                                            <p:txEl>
+                                              <p:pRg st="0" end="0"/>
+                                            </p:txEl>
+                                          </p:spTgt>
+                                        </p:tgtEl>
+                                        <p:attrNameLst>
+                                          <p:attrName>style.visibility</p:attrName>
+                                        </p:attrNameLst>
+                                      </p:cBhvr>
+                                      <p:to>
+                                        <p:strVal val="visible"/>
+                                      </p:to>
+                                    </p:set>
+                                  </p:childTnLst>
+                                </p:cTn>
+                              </p:par>
+                            </p:childTnLst>
+                          </p:cTn>
+                        </p:par>
+                      </p:childTnLst>
+                    </p:cTn>
+                  </p:par>
+                  <p:par>
+                    <p:cTn id="7" fill="hold">
+                      <p:stCondLst>
+                        <p:cond delay="indefinite"/>
+                      </p:stCondLst>
+                      <p:childTnLst>
+                        <p:par>
+                          <p:cTn id="8" fill="hold">
+                            <p:stCondLst>
+                              <p:cond delay="0"/>
+                            </p:stCondLst>
+                            <p:childTnLst>
+                              <p:par>
+                                <p:cTn id="9" presetID="1" presetClass="entr" presetSubtype="0" fill="hold" grpId="0" nodeType="clickEffect">
+                                  <p:stCondLst>
+                                    <p:cond delay="0"/>
+                                  </p:stCondLst>
+                                  <p:childTnLst>
+                                    <p:set>
+                                      <p:cBhvr>
+                                        <p:cTn id="10" dur="1" fill="hold">
+                                          <p:stCondLst>
+                                            <p:cond delay="0"/>
+                                          </p:stCondLst>
+                                        </p:cTn>
+                                        <p:tgtEl>
+                                          <p:spTgt spid="4">
+                                            <p:txEl>
+                                              <p:pRg st="2" end="2"/>
+                                            </p:txEl>
+                                          </p:spTgt>
+                                        </p:tgtEl>
+                                        <p:attrNameLst>
+                                          <p:attrName>style.visibility</p:attrName>
+                                        </p:attrNameLst>
+                                      </p:cBhvr>
+                                      <p:to>
+                                        <p:strVal val="visible"/>
+                                      </p:to>
+                                    </p:set>
+                                  </p:childTnLst>
+                                </p:cTn>
+                              </p:par>
+                            </p:childTnLst>
+                          </p:cTn>
+                        </p:par>
+                      </p:childTnLst>
+                    </p:cTn>
+                  </p:par>
+                  <p:par>
+                    <p:cTn id="11" fill="hold">
+                      <p:stCondLst>
+                        <p:cond delay="indefinite"/>
+                      </p:stCondLst>
+                      <p:childTnLst>
+                        <p:par>
+                          <p:cTn id="12" fill="hold">
+                            <p:stCondLst>
+                              <p:cond delay="0"/>
+                            </p:stCondLst>
+                            <p:childTnLst>
+                              <p:par>
+                                <p:cTn id="13" presetID="1" presetClass="entr" presetSubtype="0" fill="hold" grpId="0" nodeType="clickEffect">
+                                  <p:stCondLst>
+                                    <p:cond delay="0"/>
+                                  </p:stCondLst>
+                                  <p:childTnLst>
+                                    <p:set>
+                                      <p:cBhvr>
+                                        <p:cTn id="14" dur="1" fill="hold">
+                                          <p:stCondLst>
+                                            <p:cond delay="0"/>
+                                          </p:stCondLst>
+                                        </p:cTn>
+                                        <p:tgtEl>
+                                          <p:spTgt spid="4">
+                                            <p:txEl>
+                                              <p:pRg st="4" end="4"/>
+                                            </p:txEl>
+                                          </p:spTgt>
+                                        </p:tgtEl>
+                                        <p:attrNameLst>
+                                          <p:attrName>style.visibility</p:attrName>
+                                        </p:attrNameLst>
+                                      </p:cBhvr>
+                                      <p:to>
+                                        <p:strVal val="visible"/>
+                                      </p:to>
+                                    </p:set>
+                                  </p:childTnLst>
+                                </p:cTn>
+                              </p:par>
+                            </p:childTnLst>
+                          </p:cTn>
+                        </p:par>
+                      </p:childTnLst>
+                    </p:cTn>
+                  </p:par>
+                </p:childTnLst>
+              </p:cTn>
+              <p:prevCondLst>
+                <p:cond evt="onPrev" delay="0">
+                  <p:tgtEl>
+                    <p:sldTgt/>
+                  </p:tgtEl>
+                </p:cond>
+              </p:prevCondLst>
+              <p:nextCondLst>
+                <p:cond evt="onNext" delay="0">
+                  <p:tgtEl>
+                    <p:sldTgt/>
+                  </p:tgtEl>
+                </p:cond>
+              </p:nextCondLst>
+            </p:seq>
+          </p:childTnLst>
+        </p:cTn>
+      </p:par>
+    </p:tnLst>
+    <p:bldLst>
+      <p:bldP spid="4" grpId="0" build="p"/>
+    </p:bldLst>
+  </p:timing>
 </p:sld>
 </file>
 
